--- a/Music track Genre Classification.pptx
+++ b/Music track Genre Classification.pptx
@@ -127,7 +127,7 @@
 <file path=ppt/revisionInfo.xml><?xml version="1.0" encoding="utf-8"?>
 <p1510:revInfo xmlns:a="http://schemas.openxmlformats.org/drawingml/2006/main" xmlns:r="http://schemas.openxmlformats.org/officeDocument/2006/relationships" xmlns:p1510="http://schemas.microsoft.com/office/powerpoint/2015/10/main">
   <p1510:revLst>
-    <p1510:client id="{7E495B65-FE8D-46F8-9BFD-C85546D0FB9A}" v="18" dt="2023-01-15T14:15:20.885"/>
+    <p1510:client id="{7E495B65-FE8D-46F8-9BFD-C85546D0FB9A}" v="19" dt="2023-01-15T14:35:15.624"/>
     <p1510:client id="{D60CE98A-35B7-4A3B-883D-BF49E5AF9D68}" v="39" dt="2023-01-15T09:25:47.273"/>
   </p1510:revLst>
 </p1510:revInfo>
@@ -667,10 +667,25 @@
   <pc:docChgLst>
     <pc:chgData name="אורי דרשן" userId="ddda94d6-da50-424f-a105-9eb70beea731" providerId="ADAL" clId="{7E495B65-FE8D-46F8-9BFD-C85546D0FB9A}"/>
     <pc:docChg chg="undo custSel modSld sldOrd">
-      <pc:chgData name="אורי דרשן" userId="ddda94d6-da50-424f-a105-9eb70beea731" providerId="ADAL" clId="{7E495B65-FE8D-46F8-9BFD-C85546D0FB9A}" dt="2023-01-15T14:16:40.852" v="154" actId="20577"/>
+      <pc:chgData name="אורי דרשן" userId="ddda94d6-da50-424f-a105-9eb70beea731" providerId="ADAL" clId="{7E495B65-FE8D-46F8-9BFD-C85546D0FB9A}" dt="2023-01-15T14:35:15.665" v="157" actId="27636"/>
       <pc:docMkLst>
         <pc:docMk/>
       </pc:docMkLst>
+      <pc:sldChg chg="modSp mod">
+        <pc:chgData name="אורי דרשן" userId="ddda94d6-da50-424f-a105-9eb70beea731" providerId="ADAL" clId="{7E495B65-FE8D-46F8-9BFD-C85546D0FB9A}" dt="2023-01-15T14:35:15.665" v="157" actId="27636"/>
+        <pc:sldMkLst>
+          <pc:docMk/>
+          <pc:sldMk cId="3975703166" sldId="256"/>
+        </pc:sldMkLst>
+        <pc:spChg chg="mod">
+          <ac:chgData name="אורי דרשן" userId="ddda94d6-da50-424f-a105-9eb70beea731" providerId="ADAL" clId="{7E495B65-FE8D-46F8-9BFD-C85546D0FB9A}" dt="2023-01-15T14:35:15.665" v="157" actId="27636"/>
+          <ac:spMkLst>
+            <pc:docMk/>
+            <pc:sldMk cId="3975703166" sldId="256"/>
+            <ac:spMk id="3" creationId="{5E251527-565A-CADE-14D8-B65A13F759BB}"/>
+          </ac:spMkLst>
+        </pc:spChg>
+      </pc:sldChg>
       <pc:sldChg chg="addSp delSp modSp mod modNotesTx">
         <pc:chgData name="אורי דרשן" userId="ddda94d6-da50-424f-a105-9eb70beea731" providerId="ADAL" clId="{7E495B65-FE8D-46F8-9BFD-C85546D0FB9A}" dt="2023-01-15T14:15:08.690" v="102" actId="21"/>
         <pc:sldMkLst>
@@ -6512,7 +6527,7 @@
         </p:spPr>
         <p:txBody>
           <a:bodyPr anchor="t">
-            <a:normAutofit/>
+            <a:normAutofit fontScale="92500" lnSpcReduction="10000"/>
           </a:bodyPr>
           <a:lstStyle/>
           <a:p>
@@ -6537,12 +6552,28 @@
               </a:lnSpc>
             </a:pPr>
             <a:r>
+              <a:rPr lang="en-US" sz="1700" dirty="0">
+                <a:solidFill>
+                  <a:schemeClr val="tx2"/>
+                </a:solidFill>
+              </a:rPr>
+              <a:t>Final Project</a:t>
+            </a:r>
+          </a:p>
+          <a:p>
+            <a:pPr>
+              <a:lnSpc>
+                <a:spcPct val="140000"/>
+              </a:lnSpc>
+            </a:pPr>
+            <a:r>
               <a:rPr lang="en-US" sz="1700">
                 <a:solidFill>
                   <a:schemeClr val="tx2"/>
                 </a:solidFill>
+                <a:hlinkClick r:id="rId3"/>
               </a:rPr>
-              <a:t>Final Project </a:t>
+              <a:t>Git repository</a:t>
             </a:r>
             <a:endParaRPr lang="he-IL" sz="1700">
               <a:solidFill>
